--- a/translations/en-us/Competitions/Engineering Notebook.pptx
+++ b/translations/en-us/Competitions/Engineering Notebook.pptx
@@ -5,64 +5,52 @@
     <p:sldMasterId id="2147483648" r:id="rId1"/>
   </p:sldMasterIdLst>
   <p:notesMasterIdLst>
-    <p:notesMasterId r:id="rId25"/>
+    <p:notesMasterId r:id="rId24"/>
   </p:notesMasterIdLst>
   <p:sldIdLst>
     <p:sldId id="256" r:id="rId2"/>
-    <p:sldId id="257" r:id="rId3"/>
-    <p:sldId id="279" r:id="rId4"/>
-    <p:sldId id="258" r:id="rId5"/>
-    <p:sldId id="280" r:id="rId6"/>
-    <p:sldId id="260" r:id="rId7"/>
-    <p:sldId id="281" r:id="rId8"/>
-    <p:sldId id="282" r:id="rId9"/>
-    <p:sldId id="283" r:id="rId10"/>
-    <p:sldId id="284" r:id="rId11"/>
-    <p:sldId id="285" r:id="rId12"/>
-    <p:sldId id="266" r:id="rId13"/>
-    <p:sldId id="286" r:id="rId14"/>
-    <p:sldId id="287" r:id="rId15"/>
-    <p:sldId id="288" r:id="rId16"/>
-    <p:sldId id="289" r:id="rId17"/>
-    <p:sldId id="290" r:id="rId18"/>
-    <p:sldId id="291" r:id="rId19"/>
-    <p:sldId id="273" r:id="rId20"/>
-    <p:sldId id="292" r:id="rId21"/>
-    <p:sldId id="293" r:id="rId22"/>
-    <p:sldId id="294" r:id="rId23"/>
-    <p:sldId id="278" r:id="rId24"/>
+    <p:sldId id="279" r:id="rId3"/>
+    <p:sldId id="258" r:id="rId4"/>
+    <p:sldId id="280" r:id="rId5"/>
+    <p:sldId id="260" r:id="rId6"/>
+    <p:sldId id="281" r:id="rId7"/>
+    <p:sldId id="282" r:id="rId8"/>
+    <p:sldId id="283" r:id="rId9"/>
+    <p:sldId id="284" r:id="rId10"/>
+    <p:sldId id="285" r:id="rId11"/>
+    <p:sldId id="266" r:id="rId12"/>
+    <p:sldId id="286" r:id="rId13"/>
+    <p:sldId id="287" r:id="rId14"/>
+    <p:sldId id="288" r:id="rId15"/>
+    <p:sldId id="289" r:id="rId16"/>
+    <p:sldId id="290" r:id="rId17"/>
+    <p:sldId id="291" r:id="rId18"/>
+    <p:sldId id="273" r:id="rId19"/>
+    <p:sldId id="292" r:id="rId20"/>
+    <p:sldId id="293" r:id="rId21"/>
+    <p:sldId id="294" r:id="rId22"/>
+    <p:sldId id="278" r:id="rId23"/>
   </p:sldIdLst>
   <p:sldSz cx="9144000" cy="6858000" type="screen4x3"/>
   <p:notesSz cx="6858000" cy="9144000"/>
   <p:embeddedFontLst>
     <p:embeddedFont>
       <p:font typeface="Abril Fatface" panose="02000503000000020003" pitchFamily="2" charset="77"/>
-      <p:regular r:id="rId26"/>
-    </p:embeddedFont>
-    <p:embeddedFont>
-      <p:font typeface="Audiowide" panose="02000503000000020004" pitchFamily="2" charset="0"/>
-      <p:regular r:id="rId27"/>
+      <p:regular r:id="rId25"/>
     </p:embeddedFont>
     <p:embeddedFont>
       <p:font typeface="Calibri" panose="020F0502020204030204" pitchFamily="34" charset="0"/>
-      <p:regular r:id="rId28"/>
-      <p:bold r:id="rId29"/>
-      <p:italic r:id="rId30"/>
-      <p:boldItalic r:id="rId31"/>
+      <p:regular r:id="rId26"/>
+      <p:bold r:id="rId27"/>
+      <p:italic r:id="rId28"/>
+      <p:boldItalic r:id="rId29"/>
     </p:embeddedFont>
     <p:embeddedFont>
       <p:font typeface="Century Gothic" panose="020B0502020202020204" pitchFamily="34" charset="0"/>
-      <p:regular r:id="rId32"/>
-      <p:bold r:id="rId33"/>
-      <p:italic r:id="rId34"/>
-      <p:boldItalic r:id="rId35"/>
-    </p:embeddedFont>
-    <p:embeddedFont>
-      <p:font typeface="Roboto" panose="02000000000000000000" pitchFamily="2" charset="0"/>
-      <p:regular r:id="rId36"/>
-      <p:bold r:id="rId37"/>
-      <p:italic r:id="rId38"/>
-      <p:boldItalic r:id="rId39"/>
+      <p:regular r:id="rId30"/>
+      <p:bold r:id="rId31"/>
+      <p:italic r:id="rId32"/>
+      <p:boldItalic r:id="rId33"/>
     </p:embeddedFont>
   </p:embeddedFontLst>
   <p:defaultTextStyle>
@@ -295,8 +283,11 @@
     </a:lvl9pPr>
   </p:defaultTextStyle>
   <p:extLst>
+    <p:ext uri="{EFAFB233-063F-42B5-8137-9DF3F51BA10A}">
+      <p15:sldGuideLst xmlns:p15="http://schemas.microsoft.com/office/powerpoint/2012/main"/>
+    </p:ext>
     <p:ext uri="http://customooxmlschemas.google.com/">
-      <go:slidesCustomData xmlns:go="http://customooxmlschemas.google.com/" xmlns:p15="http://schemas.microsoft.com/office/powerpoint/2012/main" xmlns:p14="http://schemas.microsoft.com/office/powerpoint/2010/main" xmlns:com="http://schemas.openxmlformats.org/drawingml/2006/compatibility" xmlns:pvml="urn:schemas-microsoft-com:office:powerpoint" xmlns:v="urn:schemas-microsoft-com:vml" xmlns:o="urn:schemas-microsoft-com:office:office" xmlns:dgm="http://schemas.openxmlformats.org/drawingml/2006/diagram" xmlns:c="http://schemas.openxmlformats.org/drawingml/2006/chart" xmlns:mv="urn:schemas-microsoft-com:mac:vml" xmlns:mc="http://schemas.openxmlformats.org/markup-compatibility/2006" xmlns="" r:id="rId41" roundtripDataSignature="AMtx7mgOTOt5vG93a6fTz95Tn7lW4YuNtg=="/>
+      <go:slidesCustomData xmlns="" xmlns:mc="http://schemas.openxmlformats.org/markup-compatibility/2006" xmlns:mv="urn:schemas-microsoft-com:mac:vml" xmlns:c="http://schemas.openxmlformats.org/drawingml/2006/chart" xmlns:dgm="http://schemas.openxmlformats.org/drawingml/2006/diagram" xmlns:o="urn:schemas-microsoft-com:office:office" xmlns:v="urn:schemas-microsoft-com:vml" xmlns:pvml="urn:schemas-microsoft-com:office:powerpoint" xmlns:com="http://schemas.openxmlformats.org/drawingml/2006/compatibility" xmlns:p14="http://schemas.microsoft.com/office/powerpoint/2010/main" xmlns:p15="http://schemas.microsoft.com/office/powerpoint/2012/main" xmlns:go="http://customooxmlschemas.google.com/" r:id="rId41" roundtripDataSignature="AMtx7mgOTOt5vG93a6fTz95Tn7lW4YuNtg=="/>
     </p:ext>
   </p:extLst>
 </p:presentation>
@@ -1882,182 +1873,6 @@
   <p:cSld>
     <p:spTree>
       <p:nvGrpSpPr>
-        <p:cNvPr id="1" name="Shape 107"/>
-        <p:cNvGrpSpPr/>
-        <p:nvPr/>
-      </p:nvGrpSpPr>
-      <p:grpSpPr>
-        <a:xfrm>
-          <a:off x="0" y="0"/>
-          <a:ext cx="0" cy="0"/>
-          <a:chOff x="0" y="0"/>
-          <a:chExt cx="0" cy="0"/>
-        </a:xfrm>
-      </p:grpSpPr>
-      <p:sp>
-        <p:nvSpPr>
-          <p:cNvPr id="108" name="Google Shape;108;g82cd9e6bf7_0_87:notes"/>
-          <p:cNvSpPr>
-            <a:spLocks noGrp="1" noRot="1" noChangeAspect="1"/>
-          </p:cNvSpPr>
-          <p:nvPr>
-            <p:ph type="sldImg" idx="2"/>
-          </p:nvPr>
-        </p:nvSpPr>
-        <p:spPr>
-          <a:xfrm>
-            <a:off x="1371600" y="1143000"/>
-            <a:ext cx="4114800" cy="3086100"/>
-          </a:xfrm>
-          <a:custGeom>
-            <a:avLst/>
-            <a:gdLst/>
-            <a:ahLst/>
-            <a:cxnLst/>
-            <a:rect l="l" t="t" r="r" b="b"/>
-            <a:pathLst>
-              <a:path w="120000" h="120000" extrusionOk="0">
-                <a:moveTo>
-                  <a:pt x="0" y="0"/>
-                </a:moveTo>
-                <a:lnTo>
-                  <a:pt x="120000" y="0"/>
-                </a:lnTo>
-                <a:lnTo>
-                  <a:pt x="120000" y="120000"/>
-                </a:lnTo>
-                <a:lnTo>
-                  <a:pt x="0" y="120000"/>
-                </a:lnTo>
-                <a:close/>
-              </a:path>
-            </a:pathLst>
-          </a:custGeom>
-          <a:noFill/>
-          <a:ln w="12700" cap="flat" cmpd="sng">
-            <a:solidFill>
-              <a:srgbClr val="000000"/>
-            </a:solidFill>
-            <a:prstDash val="solid"/>
-            <a:round/>
-            <a:headEnd type="none" w="sm" len="sm"/>
-            <a:tailEnd type="none" w="sm" len="sm"/>
-          </a:ln>
-        </p:spPr>
-      </p:sp>
-      <p:sp>
-        <p:nvSpPr>
-          <p:cNvPr id="109" name="Google Shape;109;g82cd9e6bf7_0_87:notes"/>
-          <p:cNvSpPr txBox="1">
-            <a:spLocks noGrp="1"/>
-          </p:cNvSpPr>
-          <p:nvPr>
-            <p:ph type="body" idx="1"/>
-          </p:nvPr>
-        </p:nvSpPr>
-        <p:spPr>
-          <a:xfrm>
-            <a:off x="685800" y="4400550"/>
-            <a:ext cx="5486400" cy="3600600"/>
-          </a:xfrm>
-          <a:prstGeom prst="rect">
-            <a:avLst/>
-          </a:prstGeom>
-          <a:noFill/>
-          <a:ln>
-            <a:noFill/>
-          </a:ln>
-        </p:spPr>
-        <p:txBody>
-          <a:bodyPr spcFirstLastPara="1" wrap="square" lIns="91425" tIns="45700" rIns="91425" bIns="45700" anchor="t" anchorCtr="0">
-            <a:noAutofit/>
-          </a:bodyPr>
-          <a:lstStyle/>
-          <a:p>
-            <a:pPr marL="0" lvl="0" indent="0" algn="l" rtl="0">
-              <a:lnSpc>
-                <a:spcPct val="100000"/>
-              </a:lnSpc>
-              <a:spcBef>
-                <a:spcPts val="0"/>
-              </a:spcBef>
-              <a:spcAft>
-                <a:spcPts val="0"/>
-              </a:spcAft>
-              <a:buSzPts val="1400"/>
-              <a:buNone/>
-            </a:pPr>
-            <a:endParaRPr/>
-          </a:p>
-        </p:txBody>
-      </p:sp>
-      <p:sp>
-        <p:nvSpPr>
-          <p:cNvPr id="110" name="Google Shape;110;g82cd9e6bf7_0_87:notes"/>
-          <p:cNvSpPr txBox="1">
-            <a:spLocks noGrp="1"/>
-          </p:cNvSpPr>
-          <p:nvPr>
-            <p:ph type="sldNum" idx="12"/>
-          </p:nvPr>
-        </p:nvSpPr>
-        <p:spPr>
-          <a:xfrm>
-            <a:off x="3884613" y="8685213"/>
-            <a:ext cx="2971800" cy="458700"/>
-          </a:xfrm>
-          <a:prstGeom prst="rect">
-            <a:avLst/>
-          </a:prstGeom>
-          <a:noFill/>
-          <a:ln>
-            <a:noFill/>
-          </a:ln>
-        </p:spPr>
-        <p:txBody>
-          <a:bodyPr spcFirstLastPara="1" wrap="square" lIns="91425" tIns="45700" rIns="91425" bIns="45700" anchor="b" anchorCtr="0">
-            <a:noAutofit/>
-          </a:bodyPr>
-          <a:lstStyle/>
-          <a:p>
-            <a:pPr marL="0" lvl="0" indent="0" algn="r" rtl="0">
-              <a:lnSpc>
-                <a:spcPct val="100000"/>
-              </a:lnSpc>
-              <a:spcBef>
-                <a:spcPts val="0"/>
-              </a:spcBef>
-              <a:spcAft>
-                <a:spcPts val="0"/>
-              </a:spcAft>
-              <a:buClr>
-                <a:srgbClr val="000000"/>
-              </a:buClr>
-              <a:buSzPts val="1400"/>
-              <a:buFont typeface="Arial"/>
-              <a:buNone/>
-            </a:pPr>
-            <a:fld id="{00000000-1234-1234-1234-123412341234}" type="slidenum">
-              <a:rPr lang="en-US"/>
-              <a:t>2</a:t>
-            </a:fld>
-            <a:endParaRPr/>
-          </a:p>
-        </p:txBody>
-      </p:sp>
-    </p:spTree>
-  </p:cSld>
-  <p:clrMapOvr>
-    <a:masterClrMapping/>
-  </p:clrMapOvr>
-</p:notes>
-</file>
-
-<file path=ppt/notesSlides/notesSlide3.xml><?xml version="1.0" encoding="utf-8"?>
-<p:notes xmlns:a="http://schemas.openxmlformats.org/drawingml/2006/main" xmlns:r="http://schemas.openxmlformats.org/officeDocument/2006/relationships" xmlns:p="http://schemas.openxmlformats.org/presentationml/2006/main" showMasterSp="0" showMasterPhAnim="0">
-  <p:cSld>
-    <p:spTree>
-      <p:nvGrpSpPr>
         <p:cNvPr id="1" name="Shape 114"/>
         <p:cNvGrpSpPr/>
         <p:nvPr/>
@@ -2211,7 +2026,7 @@
             </a:pPr>
             <a:fld id="{00000000-1234-1234-1234-123412341234}" type="slidenum">
               <a:rPr lang="en-US"/>
-              <a:t>4</a:t>
+              <a:t>3</a:t>
             </a:fld>
             <a:endParaRPr/>
           </a:p>
@@ -2225,7 +2040,7 @@
 </p:notes>
 </file>
 
-<file path=ppt/notesSlides/notesSlide4.xml><?xml version="1.0" encoding="utf-8"?>
+<file path=ppt/notesSlides/notesSlide3.xml><?xml version="1.0" encoding="utf-8"?>
 <p:notes xmlns:a="http://schemas.openxmlformats.org/drawingml/2006/main" xmlns:r="http://schemas.openxmlformats.org/officeDocument/2006/relationships" xmlns:p="http://schemas.openxmlformats.org/presentationml/2006/main" showMasterSp="0" showMasterPhAnim="0">
   <p:cSld>
     <p:spTree>
@@ -2383,7 +2198,7 @@
             </a:pPr>
             <a:fld id="{00000000-1234-1234-1234-123412341234}" type="slidenum">
               <a:rPr lang="en-US"/>
-              <a:t>6</a:t>
+              <a:t>5</a:t>
             </a:fld>
             <a:endParaRPr/>
           </a:p>
@@ -2397,7 +2212,7 @@
 </p:notes>
 </file>
 
-<file path=ppt/notesSlides/notesSlide5.xml><?xml version="1.0" encoding="utf-8"?>
+<file path=ppt/notesSlides/notesSlide4.xml><?xml version="1.0" encoding="utf-8"?>
 <p:notes xmlns:a="http://schemas.openxmlformats.org/drawingml/2006/main" xmlns:r="http://schemas.openxmlformats.org/officeDocument/2006/relationships" xmlns:p="http://schemas.openxmlformats.org/presentationml/2006/main" showMasterSp="0" showMasterPhAnim="0">
   <p:cSld>
     <p:spTree>
@@ -2555,7 +2370,7 @@
             </a:pPr>
             <a:fld id="{00000000-1234-1234-1234-123412341234}" type="slidenum">
               <a:rPr lang="en-US"/>
-              <a:t>12</a:t>
+              <a:t>11</a:t>
             </a:fld>
             <a:endParaRPr/>
           </a:p>
@@ -2569,7 +2384,7 @@
 </p:notes>
 </file>
 
-<file path=ppt/notesSlides/notesSlide6.xml><?xml version="1.0" encoding="utf-8"?>
+<file path=ppt/notesSlides/notesSlide5.xml><?xml version="1.0" encoding="utf-8"?>
 <p:notes xmlns:a="http://schemas.openxmlformats.org/drawingml/2006/main" xmlns:r="http://schemas.openxmlformats.org/officeDocument/2006/relationships" xmlns:p="http://schemas.openxmlformats.org/presentationml/2006/main" showMasterSp="0" showMasterPhAnim="0">
   <p:cSld>
     <p:spTree>
@@ -2731,7 +2546,7 @@
             </a:pPr>
             <a:fld id="{00000000-1234-1234-1234-123412341234}" type="slidenum">
               <a:rPr lang="en-US"/>
-              <a:t>19</a:t>
+              <a:t>18</a:t>
             </a:fld>
             <a:endParaRPr/>
           </a:p>
@@ -23039,211 +22854,6 @@
           <p:cNvPr id="2" name="Title 1">
             <a:extLst>
               <a:ext uri="{FF2B5EF4-FFF2-40B4-BE49-F238E27FC236}">
-                <a16:creationId xmlns:a16="http://schemas.microsoft.com/office/drawing/2014/main" id="{B6F4B320-9D16-C446-8DC3-437D8CA5FE5E}"/>
-              </a:ext>
-            </a:extLst>
-          </p:cNvPr>
-          <p:cNvSpPr>
-            <a:spLocks noGrp="1"/>
-          </p:cNvSpPr>
-          <p:nvPr>
-            <p:ph type="title"/>
-          </p:nvPr>
-        </p:nvSpPr>
-        <p:spPr/>
-        <p:txBody>
-          <a:bodyPr/>
-          <a:lstStyle/>
-          <a:p>
-            <a:r>
-              <a:rPr lang="en-US" dirty="0">
-                <a:sym typeface="Audiowide"/>
-              </a:rPr>
-              <a:t>Business/Strategic Plan</a:t>
-            </a:r>
-            <a:endParaRPr lang="en-US" dirty="0"/>
-          </a:p>
-        </p:txBody>
-      </p:sp>
-      <p:sp>
-        <p:nvSpPr>
-          <p:cNvPr id="3" name="Text Placeholder 2">
-            <a:extLst>
-              <a:ext uri="{FF2B5EF4-FFF2-40B4-BE49-F238E27FC236}">
-                <a16:creationId xmlns:a16="http://schemas.microsoft.com/office/drawing/2014/main" id="{41FBF296-E379-534F-8E5D-CB8A044F0152}"/>
-              </a:ext>
-            </a:extLst>
-          </p:cNvPr>
-          <p:cNvSpPr>
-            <a:spLocks noGrp="1"/>
-          </p:cNvSpPr>
-          <p:nvPr>
-            <p:ph type="body" idx="1"/>
-          </p:nvPr>
-        </p:nvSpPr>
-        <p:spPr>
-          <a:xfrm>
-            <a:off x="259080" y="1249680"/>
-            <a:ext cx="4781006" cy="5029199"/>
-          </a:xfrm>
-        </p:spPr>
-        <p:txBody>
-          <a:bodyPr>
-            <a:normAutofit lnSpcReduction="10000"/>
-          </a:bodyPr>
-          <a:lstStyle/>
-          <a:p>
-            <a:pPr lvl="0"/>
-            <a:r>
-              <a:rPr lang="en-US" dirty="0">
-                <a:sym typeface="Roboto"/>
-              </a:rPr>
-              <a:t>Use as a guide for team</a:t>
-            </a:r>
-          </a:p>
-          <a:p>
-            <a:pPr lvl="0"/>
-            <a:r>
-              <a:rPr lang="en-US" dirty="0">
-                <a:sym typeface="Roboto"/>
-              </a:rPr>
-              <a:t>Layout team goals--short or long term</a:t>
-            </a:r>
-          </a:p>
-          <a:p>
-            <a:pPr lvl="1"/>
-            <a:r>
-              <a:rPr lang="en-US" dirty="0">
-                <a:sym typeface="Roboto"/>
-              </a:rPr>
-              <a:t>Fundraising</a:t>
-            </a:r>
-          </a:p>
-          <a:p>
-            <a:pPr lvl="1"/>
-            <a:r>
-              <a:rPr lang="en-US" dirty="0">
-                <a:sym typeface="Roboto"/>
-              </a:rPr>
-              <a:t>Outreach</a:t>
-            </a:r>
-          </a:p>
-          <a:p>
-            <a:pPr lvl="1"/>
-            <a:r>
-              <a:rPr lang="en-US" dirty="0">
-                <a:sym typeface="Roboto"/>
-              </a:rPr>
-              <a:t>Competition</a:t>
-            </a:r>
-          </a:p>
-          <a:p>
-            <a:pPr lvl="0"/>
-            <a:r>
-              <a:rPr lang="en-US" dirty="0">
-                <a:sym typeface="Roboto"/>
-              </a:rPr>
-              <a:t>Include a plan for team sustainability</a:t>
-            </a:r>
-          </a:p>
-          <a:p>
-            <a:pPr lvl="1"/>
-            <a:r>
-              <a:rPr lang="en-US" dirty="0">
-                <a:sym typeface="Roboto"/>
-              </a:rPr>
-              <a:t>Plan explains how the team plans to grow and stay competitive when students graduate from the program. </a:t>
-            </a:r>
-          </a:p>
-          <a:p>
-            <a:pPr lvl="1"/>
-            <a:r>
-              <a:rPr lang="en-US" dirty="0">
-                <a:sym typeface="Roboto"/>
-              </a:rPr>
-              <a:t>May include plans to recruit sponsors, new mentors, or team members.</a:t>
-            </a:r>
-          </a:p>
-          <a:p>
-            <a:endParaRPr lang="en-US" dirty="0"/>
-          </a:p>
-        </p:txBody>
-      </p:sp>
-      <p:pic>
-        <p:nvPicPr>
-          <p:cNvPr id="4" name="Google Shape;163;g82e6fcbc00_0_42">
-            <a:extLst>
-              <a:ext uri="{FF2B5EF4-FFF2-40B4-BE49-F238E27FC236}">
-                <a16:creationId xmlns:a16="http://schemas.microsoft.com/office/drawing/2014/main" id="{ADFF83A2-18FF-C943-A1DA-F16D29647DDE}"/>
-              </a:ext>
-            </a:extLst>
-          </p:cNvPr>
-          <p:cNvPicPr preferRelativeResize="0"/>
-          <p:nvPr/>
-        </p:nvPicPr>
-        <p:blipFill rotWithShape="1">
-          <a:blip r:embed="rId2">
-            <a:alphaModFix/>
-          </a:blip>
-          <a:srcRect/>
-          <a:stretch/>
-        </p:blipFill>
-        <p:spPr>
-          <a:xfrm>
-            <a:off x="5182502" y="1175375"/>
-            <a:ext cx="3509825" cy="4507250"/>
-          </a:xfrm>
-          <a:prstGeom prst="rect">
-            <a:avLst/>
-          </a:prstGeom>
-          <a:noFill/>
-          <a:ln>
-            <a:noFill/>
-          </a:ln>
-          <a:effectLst>
-            <a:outerShdw blurRad="57150" dist="19050" dir="5400000" algn="bl" rotWithShape="0">
-              <a:srgbClr val="000000">
-                <a:alpha val="49800"/>
-              </a:srgbClr>
-            </a:outerShdw>
-          </a:effectLst>
-        </p:spPr>
-      </p:pic>
-    </p:spTree>
-    <p:extLst>
-      <p:ext uri="{BB962C8B-B14F-4D97-AF65-F5344CB8AC3E}">
-        <p14:creationId xmlns:p14="http://schemas.microsoft.com/office/powerpoint/2010/main" val="2783302955"/>
-      </p:ext>
-    </p:extLst>
-  </p:cSld>
-  <p:clrMapOvr>
-    <a:masterClrMapping/>
-  </p:clrMapOvr>
-</p:sld>
-</file>
-
-<file path=ppt/slides/slide11.xml><?xml version="1.0" encoding="utf-8"?>
-<p:sld xmlns:a="http://schemas.openxmlformats.org/drawingml/2006/main" xmlns:r="http://schemas.openxmlformats.org/officeDocument/2006/relationships" xmlns:p="http://schemas.openxmlformats.org/presentationml/2006/main">
-  <p:cSld>
-    <p:spTree>
-      <p:nvGrpSpPr>
-        <p:cNvPr id="1" name=""/>
-        <p:cNvGrpSpPr/>
-        <p:nvPr/>
-      </p:nvGrpSpPr>
-      <p:grpSpPr>
-        <a:xfrm>
-          <a:off x="0" y="0"/>
-          <a:ext cx="0" cy="0"/>
-          <a:chOff x="0" y="0"/>
-          <a:chExt cx="0" cy="0"/>
-        </a:xfrm>
-      </p:grpSpPr>
-      <p:sp>
-        <p:nvSpPr>
-          <p:cNvPr id="2" name="Title 1">
-            <a:extLst>
-              <a:ext uri="{FF2B5EF4-FFF2-40B4-BE49-F238E27FC236}">
                 <a16:creationId xmlns:a16="http://schemas.microsoft.com/office/drawing/2014/main" id="{3F751342-A349-3145-ADD1-89E789C02AD6}"/>
               </a:ext>
             </a:extLst>
@@ -23435,7 +23045,7 @@
 </p:sld>
 </file>
 
-<file path=ppt/slides/slide12.xml><?xml version="1.0" encoding="utf-8"?>
+<file path=ppt/slides/slide11.xml><?xml version="1.0" encoding="utf-8"?>
 <p:sld xmlns:a="http://schemas.openxmlformats.org/drawingml/2006/main" xmlns:r="http://schemas.openxmlformats.org/officeDocument/2006/relationships" xmlns:p="http://schemas.openxmlformats.org/presentationml/2006/main">
   <p:cSld>
     <p:spTree>
@@ -23516,7 +23126,7 @@
 </p:sld>
 </file>
 
-<file path=ppt/slides/slide13.xml><?xml version="1.0" encoding="utf-8"?>
+<file path=ppt/slides/slide12.xml><?xml version="1.0" encoding="utf-8"?>
 <p:sld xmlns:a="http://schemas.openxmlformats.org/drawingml/2006/main" xmlns:r="http://schemas.openxmlformats.org/officeDocument/2006/relationships" xmlns:p="http://schemas.openxmlformats.org/presentationml/2006/main">
   <p:cSld>
     <p:spTree>
@@ -23693,7 +23303,7 @@
 </p:sld>
 </file>
 
-<file path=ppt/slides/slide14.xml><?xml version="1.0" encoding="utf-8"?>
+<file path=ppt/slides/slide13.xml><?xml version="1.0" encoding="utf-8"?>
 <p:sld xmlns:a="http://schemas.openxmlformats.org/drawingml/2006/main" xmlns:r="http://schemas.openxmlformats.org/officeDocument/2006/relationships" xmlns:p="http://schemas.openxmlformats.org/presentationml/2006/main">
   <p:cSld>
     <p:spTree>
@@ -23956,7 +23566,7 @@
 </p:sld>
 </file>
 
-<file path=ppt/slides/slide15.xml><?xml version="1.0" encoding="utf-8"?>
+<file path=ppt/slides/slide14.xml><?xml version="1.0" encoding="utf-8"?>
 <p:sld xmlns:a="http://schemas.openxmlformats.org/drawingml/2006/main" xmlns:r="http://schemas.openxmlformats.org/officeDocument/2006/relationships" xmlns:p="http://schemas.openxmlformats.org/presentationml/2006/main">
   <p:cSld>
     <p:spTree>
@@ -24142,7 +23752,7 @@
 </p:sld>
 </file>
 
-<file path=ppt/slides/slide16.xml><?xml version="1.0" encoding="utf-8"?>
+<file path=ppt/slides/slide15.xml><?xml version="1.0" encoding="utf-8"?>
 <p:sld xmlns:a="http://schemas.openxmlformats.org/drawingml/2006/main" xmlns:r="http://schemas.openxmlformats.org/officeDocument/2006/relationships" xmlns:p="http://schemas.openxmlformats.org/presentationml/2006/main">
   <p:cSld>
     <p:spTree>
@@ -24327,7 +23937,7 @@
 </p:sld>
 </file>
 
-<file path=ppt/slides/slide17.xml><?xml version="1.0" encoding="utf-8"?>
+<file path=ppt/slides/slide16.xml><?xml version="1.0" encoding="utf-8"?>
 <p:sld xmlns:a="http://schemas.openxmlformats.org/drawingml/2006/main" xmlns:r="http://schemas.openxmlformats.org/officeDocument/2006/relationships" xmlns:p="http://schemas.openxmlformats.org/presentationml/2006/main">
   <p:cSld>
     <p:spTree>
@@ -24532,7 +24142,7 @@
 </p:sld>
 </file>
 
-<file path=ppt/slides/slide18.xml><?xml version="1.0" encoding="utf-8"?>
+<file path=ppt/slides/slide17.xml><?xml version="1.0" encoding="utf-8"?>
 <p:sld xmlns:a="http://schemas.openxmlformats.org/drawingml/2006/main" xmlns:r="http://schemas.openxmlformats.org/officeDocument/2006/relationships" xmlns:p="http://schemas.openxmlformats.org/presentationml/2006/main">
   <p:cSld>
     <p:spTree>
@@ -24726,7 +24336,7 @@
 </p:sld>
 </file>
 
-<file path=ppt/slides/slide19.xml><?xml version="1.0" encoding="utf-8"?>
+<file path=ppt/slides/slide18.xml><?xml version="1.0" encoding="utf-8"?>
 <p:sld xmlns:a="http://schemas.openxmlformats.org/drawingml/2006/main" xmlns:r="http://schemas.openxmlformats.org/officeDocument/2006/relationships" xmlns:p="http://schemas.openxmlformats.org/presentationml/2006/main">
   <p:cSld>
     <p:spTree>
@@ -24807,151 +24417,7 @@
 </p:sld>
 </file>
 
-<file path=ppt/slides/slide2.xml><?xml version="1.0" encoding="utf-8"?>
-<p:sld xmlns:a="http://schemas.openxmlformats.org/drawingml/2006/main" xmlns:r="http://schemas.openxmlformats.org/officeDocument/2006/relationships" xmlns:p="http://schemas.openxmlformats.org/presentationml/2006/main">
-  <p:cSld>
-    <p:spTree>
-      <p:nvGrpSpPr>
-        <p:cNvPr id="1" name="Shape 111"/>
-        <p:cNvGrpSpPr/>
-        <p:nvPr/>
-      </p:nvGrpSpPr>
-      <p:grpSpPr>
-        <a:xfrm>
-          <a:off x="0" y="0"/>
-          <a:ext cx="0" cy="0"/>
-          <a:chOff x="0" y="0"/>
-          <a:chExt cx="0" cy="0"/>
-        </a:xfrm>
-      </p:grpSpPr>
-      <p:sp>
-        <p:nvSpPr>
-          <p:cNvPr id="112" name="Google Shape;112;g82cd9e6bf7_0_87"/>
-          <p:cNvSpPr txBox="1"/>
-          <p:nvPr/>
-        </p:nvSpPr>
-        <p:spPr>
-          <a:xfrm>
-            <a:off x="326575" y="841275"/>
-            <a:ext cx="8654400" cy="2275200"/>
-          </a:xfrm>
-          <a:prstGeom prst="rect">
-            <a:avLst/>
-          </a:prstGeom>
-          <a:noFill/>
-          <a:ln>
-            <a:noFill/>
-          </a:ln>
-        </p:spPr>
-        <p:txBody>
-          <a:bodyPr spcFirstLastPara="1" wrap="square" lIns="91425" tIns="91425" rIns="91425" bIns="91425" anchor="t" anchorCtr="0">
-            <a:noAutofit/>
-          </a:bodyPr>
-          <a:lstStyle/>
-          <a:p>
-            <a:pPr marL="0" lvl="0" indent="0" algn="ctr" rtl="0">
-              <a:spcBef>
-                <a:spcPts val="0"/>
-              </a:spcBef>
-              <a:spcAft>
-                <a:spcPts val="0"/>
-              </a:spcAft>
-              <a:buNone/>
-            </a:pPr>
-            <a:r>
-              <a:rPr lang="en-US" sz="4800" dirty="0">
-                <a:solidFill>
-                  <a:schemeClr val="dk1"/>
-                </a:solidFill>
-                <a:latin typeface="Audiowide"/>
-                <a:ea typeface="Audiowide"/>
-                <a:cs typeface="Audiowide"/>
-                <a:sym typeface="Audiowide"/>
-              </a:rPr>
-              <a:t>What is an engineering notebook?</a:t>
-            </a:r>
-            <a:endParaRPr sz="4800" dirty="0">
-              <a:solidFill>
-                <a:schemeClr val="dk1"/>
-              </a:solidFill>
-              <a:latin typeface="Audiowide"/>
-              <a:ea typeface="Audiowide"/>
-              <a:cs typeface="Audiowide"/>
-              <a:sym typeface="Audiowide"/>
-            </a:endParaRPr>
-          </a:p>
-        </p:txBody>
-      </p:sp>
-      <p:sp>
-        <p:nvSpPr>
-          <p:cNvPr id="113" name="Google Shape;113;g82cd9e6bf7_0_87"/>
-          <p:cNvSpPr txBox="1"/>
-          <p:nvPr/>
-        </p:nvSpPr>
-        <p:spPr>
-          <a:xfrm>
-            <a:off x="554250" y="2555050"/>
-            <a:ext cx="8035500" cy="3000000"/>
-          </a:xfrm>
-          <a:prstGeom prst="rect">
-            <a:avLst/>
-          </a:prstGeom>
-          <a:noFill/>
-          <a:ln>
-            <a:noFill/>
-          </a:ln>
-        </p:spPr>
-        <p:txBody>
-          <a:bodyPr spcFirstLastPara="1" wrap="square" lIns="91425" tIns="91425" rIns="91425" bIns="91425" anchor="t" anchorCtr="0">
-            <a:noAutofit/>
-          </a:bodyPr>
-          <a:lstStyle/>
-          <a:p>
-            <a:pPr marL="0" lvl="0" indent="0" algn="ctr" rtl="0">
-              <a:lnSpc>
-                <a:spcPct val="115000"/>
-              </a:lnSpc>
-              <a:spcBef>
-                <a:spcPts val="0"/>
-              </a:spcBef>
-              <a:spcAft>
-                <a:spcPts val="1600"/>
-              </a:spcAft>
-              <a:buNone/>
-            </a:pPr>
-            <a:r>
-              <a:rPr lang="en-US" sz="3000" dirty="0">
-                <a:solidFill>
-                  <a:schemeClr val="dk1"/>
-                </a:solidFill>
-                <a:latin typeface="Roboto"/>
-                <a:ea typeface="Roboto"/>
-                <a:cs typeface="Roboto"/>
-                <a:sym typeface="Roboto"/>
-              </a:rPr>
-              <a:t>The engineering notebook is a documentation of the team’s robot design and records the time spent doing research, outreach, team meetings, and plans for growth</a:t>
-            </a:r>
-            <a:endParaRPr sz="3000" dirty="0">
-              <a:solidFill>
-                <a:schemeClr val="dk1"/>
-              </a:solidFill>
-              <a:latin typeface="Roboto"/>
-              <a:ea typeface="Roboto"/>
-              <a:cs typeface="Roboto"/>
-              <a:sym typeface="Roboto"/>
-            </a:endParaRPr>
-          </a:p>
-        </p:txBody>
-      </p:sp>
-    </p:spTree>
-  </p:cSld>
-  <p:clrMapOvr>
-    <a:masterClrMapping/>
-  </p:clrMapOvr>
-</p:sld>
-</file>
-
-<file path=ppt/slides/slide20.xml><?xml version="1.0" encoding="utf-8"?>
+<file path=ppt/slides/slide19.xml><?xml version="1.0" encoding="utf-8"?>
 <p:sld xmlns:a="http://schemas.openxmlformats.org/drawingml/2006/main" xmlns:r="http://schemas.openxmlformats.org/officeDocument/2006/relationships" xmlns:p="http://schemas.openxmlformats.org/presentationml/2006/main">
   <p:cSld>
     <p:spTree>
@@ -25118,7 +24584,114 @@
 </p:sld>
 </file>
 
-<file path=ppt/slides/slide21.xml><?xml version="1.0" encoding="utf-8"?>
+<file path=ppt/slides/slide2.xml><?xml version="1.0" encoding="utf-8"?>
+<p:sld xmlns:a="http://schemas.openxmlformats.org/drawingml/2006/main" xmlns:r="http://schemas.openxmlformats.org/officeDocument/2006/relationships" xmlns:p="http://schemas.openxmlformats.org/presentationml/2006/main">
+  <p:cSld>
+    <p:spTree>
+      <p:nvGrpSpPr>
+        <p:cNvPr id="1" name=""/>
+        <p:cNvGrpSpPr/>
+        <p:nvPr/>
+      </p:nvGrpSpPr>
+      <p:grpSpPr>
+        <a:xfrm>
+          <a:off x="0" y="0"/>
+          <a:ext cx="0" cy="0"/>
+          <a:chOff x="0" y="0"/>
+          <a:chExt cx="0" cy="0"/>
+        </a:xfrm>
+      </p:grpSpPr>
+      <p:sp>
+        <p:nvSpPr>
+          <p:cNvPr id="4" name="Title 3">
+            <a:extLst>
+              <a:ext uri="{FF2B5EF4-FFF2-40B4-BE49-F238E27FC236}">
+                <a16:creationId xmlns:a16="http://schemas.microsoft.com/office/drawing/2014/main" id="{7029DDFD-552C-414B-A765-9E1D7F9D6FD9}"/>
+              </a:ext>
+            </a:extLst>
+          </p:cNvPr>
+          <p:cNvSpPr>
+            <a:spLocks noGrp="1"/>
+          </p:cNvSpPr>
+          <p:nvPr>
+            <p:ph type="title"/>
+          </p:nvPr>
+        </p:nvSpPr>
+        <p:spPr>
+          <a:xfrm>
+            <a:off x="831850" y="1078991"/>
+            <a:ext cx="5266944" cy="2350009"/>
+          </a:xfrm>
+        </p:spPr>
+        <p:txBody>
+          <a:bodyPr/>
+          <a:lstStyle/>
+          <a:p>
+            <a:r>
+              <a:rPr lang="en-US" dirty="0">
+                <a:sym typeface="Audiowide"/>
+              </a:rPr>
+              <a:t>What is an engineering notebook?</a:t>
+            </a:r>
+            <a:endParaRPr lang="en-US" dirty="0"/>
+          </a:p>
+        </p:txBody>
+      </p:sp>
+      <p:sp>
+        <p:nvSpPr>
+          <p:cNvPr id="5" name="Text Placeholder 4">
+            <a:extLst>
+              <a:ext uri="{FF2B5EF4-FFF2-40B4-BE49-F238E27FC236}">
+                <a16:creationId xmlns:a16="http://schemas.microsoft.com/office/drawing/2014/main" id="{4490E436-6735-554A-9530-7B21DA0EAB7C}"/>
+              </a:ext>
+            </a:extLst>
+          </p:cNvPr>
+          <p:cNvSpPr>
+            <a:spLocks noGrp="1"/>
+          </p:cNvSpPr>
+          <p:nvPr>
+            <p:ph type="body" idx="1"/>
+          </p:nvPr>
+        </p:nvSpPr>
+        <p:spPr>
+          <a:xfrm>
+            <a:off x="831850" y="3857298"/>
+            <a:ext cx="6052426" cy="1922282"/>
+          </a:xfrm>
+        </p:spPr>
+        <p:txBody>
+          <a:bodyPr>
+            <a:normAutofit lnSpcReduction="10000"/>
+          </a:bodyPr>
+          <a:lstStyle/>
+          <a:p>
+            <a:pPr marL="238125" indent="-9525"/>
+            <a:r>
+              <a:rPr lang="en-US" dirty="0">
+                <a:sym typeface="Roboto"/>
+              </a:rPr>
+              <a:t>The engineering notebook is a documentation of the team’s robot design and records the time spent doing research, outreach, team meetings, and plans for growth</a:t>
+            </a:r>
+          </a:p>
+          <a:p>
+            <a:endParaRPr lang="en-US" dirty="0"/>
+          </a:p>
+        </p:txBody>
+      </p:sp>
+    </p:spTree>
+    <p:extLst>
+      <p:ext uri="{BB962C8B-B14F-4D97-AF65-F5344CB8AC3E}">
+        <p14:creationId xmlns:p14="http://schemas.microsoft.com/office/powerpoint/2010/main" val="3635767145"/>
+      </p:ext>
+    </p:extLst>
+  </p:cSld>
+  <p:clrMapOvr>
+    <a:masterClrMapping/>
+  </p:clrMapOvr>
+</p:sld>
+</file>
+
+<file path=ppt/slides/slide20.xml><?xml version="1.0" encoding="utf-8"?>
 <p:sld xmlns:a="http://schemas.openxmlformats.org/drawingml/2006/main" xmlns:r="http://schemas.openxmlformats.org/officeDocument/2006/relationships" xmlns:p="http://schemas.openxmlformats.org/presentationml/2006/main">
   <p:cSld>
     <p:spTree>
@@ -25263,7 +24836,7 @@
 </p:sld>
 </file>
 
-<file path=ppt/slides/slide22.xml><?xml version="1.0" encoding="utf-8"?>
+<file path=ppt/slides/slide21.xml><?xml version="1.0" encoding="utf-8"?>
 <p:sld xmlns:a="http://schemas.openxmlformats.org/drawingml/2006/main" xmlns:r="http://schemas.openxmlformats.org/officeDocument/2006/relationships" xmlns:p="http://schemas.openxmlformats.org/presentationml/2006/main">
   <p:cSld>
     <p:spTree>
@@ -25376,7 +24949,7 @@
 </p:sld>
 </file>
 
-<file path=ppt/slides/slide23.xml><?xml version="1.0" encoding="utf-8"?>
+<file path=ppt/slides/slide22.xml><?xml version="1.0" encoding="utf-8"?>
 <p:sld xmlns:a="http://schemas.openxmlformats.org/drawingml/2006/main" xmlns:r="http://schemas.openxmlformats.org/officeDocument/2006/relationships" xmlns:p="http://schemas.openxmlformats.org/presentationml/2006/main">
   <p:cSld>
     <p:spTree>
@@ -25818,113 +25391,6 @@
   <p:cSld>
     <p:spTree>
       <p:nvGrpSpPr>
-        <p:cNvPr id="1" name=""/>
-        <p:cNvGrpSpPr/>
-        <p:nvPr/>
-      </p:nvGrpSpPr>
-      <p:grpSpPr>
-        <a:xfrm>
-          <a:off x="0" y="0"/>
-          <a:ext cx="0" cy="0"/>
-          <a:chOff x="0" y="0"/>
-          <a:chExt cx="0" cy="0"/>
-        </a:xfrm>
-      </p:grpSpPr>
-      <p:sp>
-        <p:nvSpPr>
-          <p:cNvPr id="4" name="Title 3">
-            <a:extLst>
-              <a:ext uri="{FF2B5EF4-FFF2-40B4-BE49-F238E27FC236}">
-                <a16:creationId xmlns:a16="http://schemas.microsoft.com/office/drawing/2014/main" id="{7029DDFD-552C-414B-A765-9E1D7F9D6FD9}"/>
-              </a:ext>
-            </a:extLst>
-          </p:cNvPr>
-          <p:cNvSpPr>
-            <a:spLocks noGrp="1"/>
-          </p:cNvSpPr>
-          <p:nvPr>
-            <p:ph type="title"/>
-          </p:nvPr>
-        </p:nvSpPr>
-        <p:spPr>
-          <a:xfrm>
-            <a:off x="831850" y="1078991"/>
-            <a:ext cx="5266944" cy="2350009"/>
-          </a:xfrm>
-        </p:spPr>
-        <p:txBody>
-          <a:bodyPr/>
-          <a:lstStyle/>
-          <a:p>
-            <a:r>
-              <a:rPr lang="en-US" dirty="0">
-                <a:sym typeface="Audiowide"/>
-              </a:rPr>
-              <a:t>What is an engineering notebook?</a:t>
-            </a:r>
-            <a:endParaRPr lang="en-US" dirty="0"/>
-          </a:p>
-        </p:txBody>
-      </p:sp>
-      <p:sp>
-        <p:nvSpPr>
-          <p:cNvPr id="5" name="Text Placeholder 4">
-            <a:extLst>
-              <a:ext uri="{FF2B5EF4-FFF2-40B4-BE49-F238E27FC236}">
-                <a16:creationId xmlns:a16="http://schemas.microsoft.com/office/drawing/2014/main" id="{4490E436-6735-554A-9530-7B21DA0EAB7C}"/>
-              </a:ext>
-            </a:extLst>
-          </p:cNvPr>
-          <p:cNvSpPr>
-            <a:spLocks noGrp="1"/>
-          </p:cNvSpPr>
-          <p:nvPr>
-            <p:ph type="body" idx="1"/>
-          </p:nvPr>
-        </p:nvSpPr>
-        <p:spPr>
-          <a:xfrm>
-            <a:off x="831850" y="3857298"/>
-            <a:ext cx="6052426" cy="1922282"/>
-          </a:xfrm>
-        </p:spPr>
-        <p:txBody>
-          <a:bodyPr>
-            <a:normAutofit lnSpcReduction="10000"/>
-          </a:bodyPr>
-          <a:lstStyle/>
-          <a:p>
-            <a:pPr marL="238125" indent="-9525"/>
-            <a:r>
-              <a:rPr lang="en-US" dirty="0">
-                <a:sym typeface="Roboto"/>
-              </a:rPr>
-              <a:t>The engineering notebook is a documentation of the team’s robot design and records the time spent doing research, outreach, team meetings, and plans for growth</a:t>
-            </a:r>
-          </a:p>
-          <a:p>
-            <a:endParaRPr lang="en-US" dirty="0"/>
-          </a:p>
-        </p:txBody>
-      </p:sp>
-    </p:spTree>
-    <p:extLst>
-      <p:ext uri="{BB962C8B-B14F-4D97-AF65-F5344CB8AC3E}">
-        <p14:creationId xmlns:p14="http://schemas.microsoft.com/office/powerpoint/2010/main" val="3635767145"/>
-      </p:ext>
-    </p:extLst>
-  </p:cSld>
-  <p:clrMapOvr>
-    <a:masterClrMapping/>
-  </p:clrMapOvr>
-</p:sld>
-</file>
-
-<file path=ppt/slides/slide4.xml><?xml version="1.0" encoding="utf-8"?>
-<p:sld xmlns:a="http://schemas.openxmlformats.org/drawingml/2006/main" xmlns:r="http://schemas.openxmlformats.org/officeDocument/2006/relationships" xmlns:p="http://schemas.openxmlformats.org/presentationml/2006/main">
-  <p:cSld>
-    <p:spTree>
-      <p:nvGrpSpPr>
         <p:cNvPr id="1" name="Shape 118"/>
         <p:cNvGrpSpPr/>
         <p:nvPr/>
@@ -25981,7 +25447,7 @@
 </p:sld>
 </file>
 
-<file path=ppt/slides/slide5.xml><?xml version="1.0" encoding="utf-8"?>
+<file path=ppt/slides/slide4.xml><?xml version="1.0" encoding="utf-8"?>
 <p:sld xmlns:a="http://schemas.openxmlformats.org/drawingml/2006/main" xmlns:r="http://schemas.openxmlformats.org/officeDocument/2006/relationships" xmlns:p="http://schemas.openxmlformats.org/presentationml/2006/main">
   <p:cSld>
     <p:spTree>
@@ -26127,7 +25593,7 @@
 </p:sld>
 </file>
 
-<file path=ppt/slides/slide6.xml><?xml version="1.0" encoding="utf-8"?>
+<file path=ppt/slides/slide5.xml><?xml version="1.0" encoding="utf-8"?>
 <p:sld xmlns:a="http://schemas.openxmlformats.org/drawingml/2006/main" xmlns:r="http://schemas.openxmlformats.org/officeDocument/2006/relationships" xmlns:p="http://schemas.openxmlformats.org/presentationml/2006/main">
   <p:cSld>
     <p:spTree>
@@ -26208,7 +25674,7 @@
 </p:sld>
 </file>
 
-<file path=ppt/slides/slide7.xml><?xml version="1.0" encoding="utf-8"?>
+<file path=ppt/slides/slide6.xml><?xml version="1.0" encoding="utf-8"?>
 <p:sld xmlns:a="http://schemas.openxmlformats.org/drawingml/2006/main" xmlns:r="http://schemas.openxmlformats.org/officeDocument/2006/relationships" xmlns:p="http://schemas.openxmlformats.org/presentationml/2006/main">
   <p:cSld>
     <p:spTree>
@@ -26375,7 +25841,7 @@
 </p:sld>
 </file>
 
-<file path=ppt/slides/slide8.xml><?xml version="1.0" encoding="utf-8"?>
+<file path=ppt/slides/slide7.xml><?xml version="1.0" encoding="utf-8"?>
 <p:sld xmlns:a="http://schemas.openxmlformats.org/drawingml/2006/main" xmlns:r="http://schemas.openxmlformats.org/officeDocument/2006/relationships" xmlns:p="http://schemas.openxmlformats.org/presentationml/2006/main">
   <p:cSld>
     <p:spTree>
@@ -26551,7 +26017,7 @@
 </p:sld>
 </file>
 
-<file path=ppt/slides/slide9.xml><?xml version="1.0" encoding="utf-8"?>
+<file path=ppt/slides/slide8.xml><?xml version="1.0" encoding="utf-8"?>
 <p:sld xmlns:a="http://schemas.openxmlformats.org/drawingml/2006/main" xmlns:r="http://schemas.openxmlformats.org/officeDocument/2006/relationships" xmlns:p="http://schemas.openxmlformats.org/presentationml/2006/main">
   <p:cSld>
     <p:spTree>
@@ -26758,6 +26224,211 @@
     <p:extLst>
       <p:ext uri="{BB962C8B-B14F-4D97-AF65-F5344CB8AC3E}">
         <p14:creationId xmlns:p14="http://schemas.microsoft.com/office/powerpoint/2010/main" val="2380965705"/>
+      </p:ext>
+    </p:extLst>
+  </p:cSld>
+  <p:clrMapOvr>
+    <a:masterClrMapping/>
+  </p:clrMapOvr>
+</p:sld>
+</file>
+
+<file path=ppt/slides/slide9.xml><?xml version="1.0" encoding="utf-8"?>
+<p:sld xmlns:a="http://schemas.openxmlformats.org/drawingml/2006/main" xmlns:r="http://schemas.openxmlformats.org/officeDocument/2006/relationships" xmlns:p="http://schemas.openxmlformats.org/presentationml/2006/main">
+  <p:cSld>
+    <p:spTree>
+      <p:nvGrpSpPr>
+        <p:cNvPr id="1" name=""/>
+        <p:cNvGrpSpPr/>
+        <p:nvPr/>
+      </p:nvGrpSpPr>
+      <p:grpSpPr>
+        <a:xfrm>
+          <a:off x="0" y="0"/>
+          <a:ext cx="0" cy="0"/>
+          <a:chOff x="0" y="0"/>
+          <a:chExt cx="0" cy="0"/>
+        </a:xfrm>
+      </p:grpSpPr>
+      <p:sp>
+        <p:nvSpPr>
+          <p:cNvPr id="2" name="Title 1">
+            <a:extLst>
+              <a:ext uri="{FF2B5EF4-FFF2-40B4-BE49-F238E27FC236}">
+                <a16:creationId xmlns:a16="http://schemas.microsoft.com/office/drawing/2014/main" id="{B6F4B320-9D16-C446-8DC3-437D8CA5FE5E}"/>
+              </a:ext>
+            </a:extLst>
+          </p:cNvPr>
+          <p:cNvSpPr>
+            <a:spLocks noGrp="1"/>
+          </p:cNvSpPr>
+          <p:nvPr>
+            <p:ph type="title"/>
+          </p:nvPr>
+        </p:nvSpPr>
+        <p:spPr/>
+        <p:txBody>
+          <a:bodyPr/>
+          <a:lstStyle/>
+          <a:p>
+            <a:r>
+              <a:rPr lang="en-US" dirty="0">
+                <a:sym typeface="Audiowide"/>
+              </a:rPr>
+              <a:t>Business/Strategic Plan</a:t>
+            </a:r>
+            <a:endParaRPr lang="en-US" dirty="0"/>
+          </a:p>
+        </p:txBody>
+      </p:sp>
+      <p:sp>
+        <p:nvSpPr>
+          <p:cNvPr id="3" name="Text Placeholder 2">
+            <a:extLst>
+              <a:ext uri="{FF2B5EF4-FFF2-40B4-BE49-F238E27FC236}">
+                <a16:creationId xmlns:a16="http://schemas.microsoft.com/office/drawing/2014/main" id="{41FBF296-E379-534F-8E5D-CB8A044F0152}"/>
+              </a:ext>
+            </a:extLst>
+          </p:cNvPr>
+          <p:cNvSpPr>
+            <a:spLocks noGrp="1"/>
+          </p:cNvSpPr>
+          <p:nvPr>
+            <p:ph type="body" idx="1"/>
+          </p:nvPr>
+        </p:nvSpPr>
+        <p:spPr>
+          <a:xfrm>
+            <a:off x="259080" y="1249680"/>
+            <a:ext cx="4781006" cy="5029199"/>
+          </a:xfrm>
+        </p:spPr>
+        <p:txBody>
+          <a:bodyPr>
+            <a:normAutofit lnSpcReduction="10000"/>
+          </a:bodyPr>
+          <a:lstStyle/>
+          <a:p>
+            <a:pPr lvl="0"/>
+            <a:r>
+              <a:rPr lang="en-US" dirty="0">
+                <a:sym typeface="Roboto"/>
+              </a:rPr>
+              <a:t>Use as a guide for team</a:t>
+            </a:r>
+          </a:p>
+          <a:p>
+            <a:pPr lvl="0"/>
+            <a:r>
+              <a:rPr lang="en-US" dirty="0">
+                <a:sym typeface="Roboto"/>
+              </a:rPr>
+              <a:t>Layout team goals--short or long term</a:t>
+            </a:r>
+          </a:p>
+          <a:p>
+            <a:pPr lvl="1"/>
+            <a:r>
+              <a:rPr lang="en-US" dirty="0">
+                <a:sym typeface="Roboto"/>
+              </a:rPr>
+              <a:t>Fundraising</a:t>
+            </a:r>
+          </a:p>
+          <a:p>
+            <a:pPr lvl="1"/>
+            <a:r>
+              <a:rPr lang="en-US" dirty="0">
+                <a:sym typeface="Roboto"/>
+              </a:rPr>
+              <a:t>Outreach</a:t>
+            </a:r>
+          </a:p>
+          <a:p>
+            <a:pPr lvl="1"/>
+            <a:r>
+              <a:rPr lang="en-US" dirty="0">
+                <a:sym typeface="Roboto"/>
+              </a:rPr>
+              <a:t>Competition</a:t>
+            </a:r>
+          </a:p>
+          <a:p>
+            <a:pPr lvl="0"/>
+            <a:r>
+              <a:rPr lang="en-US" dirty="0">
+                <a:sym typeface="Roboto"/>
+              </a:rPr>
+              <a:t>Include a plan for team sustainability</a:t>
+            </a:r>
+          </a:p>
+          <a:p>
+            <a:pPr lvl="1"/>
+            <a:r>
+              <a:rPr lang="en-US" dirty="0">
+                <a:sym typeface="Roboto"/>
+              </a:rPr>
+              <a:t>Plan explains how the team plans to grow and stay competitive when students graduate from the program. </a:t>
+            </a:r>
+          </a:p>
+          <a:p>
+            <a:pPr lvl="1"/>
+            <a:r>
+              <a:rPr lang="en-US" dirty="0">
+                <a:sym typeface="Roboto"/>
+              </a:rPr>
+              <a:t>May include plans to recruit sponsors, new mentors, or team members.</a:t>
+            </a:r>
+          </a:p>
+          <a:p>
+            <a:endParaRPr lang="en-US" dirty="0"/>
+          </a:p>
+        </p:txBody>
+      </p:sp>
+      <p:pic>
+        <p:nvPicPr>
+          <p:cNvPr id="4" name="Google Shape;163;g82e6fcbc00_0_42">
+            <a:extLst>
+              <a:ext uri="{FF2B5EF4-FFF2-40B4-BE49-F238E27FC236}">
+                <a16:creationId xmlns:a16="http://schemas.microsoft.com/office/drawing/2014/main" id="{ADFF83A2-18FF-C943-A1DA-F16D29647DDE}"/>
+              </a:ext>
+            </a:extLst>
+          </p:cNvPr>
+          <p:cNvPicPr preferRelativeResize="0"/>
+          <p:nvPr/>
+        </p:nvPicPr>
+        <p:blipFill rotWithShape="1">
+          <a:blip r:embed="rId2">
+            <a:alphaModFix/>
+          </a:blip>
+          <a:srcRect/>
+          <a:stretch/>
+        </p:blipFill>
+        <p:spPr>
+          <a:xfrm>
+            <a:off x="5182502" y="1175375"/>
+            <a:ext cx="3509825" cy="4507250"/>
+          </a:xfrm>
+          <a:prstGeom prst="rect">
+            <a:avLst/>
+          </a:prstGeom>
+          <a:noFill/>
+          <a:ln>
+            <a:noFill/>
+          </a:ln>
+          <a:effectLst>
+            <a:outerShdw blurRad="57150" dist="19050" dir="5400000" algn="bl" rotWithShape="0">
+              <a:srgbClr val="000000">
+                <a:alpha val="49800"/>
+              </a:srgbClr>
+            </a:outerShdw>
+          </a:effectLst>
+        </p:spPr>
+      </p:pic>
+    </p:spTree>
+    <p:extLst>
+      <p:ext uri="{BB962C8B-B14F-4D97-AF65-F5344CB8AC3E}">
+        <p14:creationId xmlns:p14="http://schemas.microsoft.com/office/powerpoint/2010/main" val="2783302955"/>
       </p:ext>
     </p:extLst>
   </p:cSld>
